--- a/Churn Prediction Presentation.pptx
+++ b/Churn Prediction Presentation.pptx
@@ -205,7 +205,7 @@
           <a:p>
             <a:fld id="{6AED7B65-76B2-FF45-A181-17D1B743091E}" type="datetimeFigureOut">
               <a:rPr lang="en-US" smtClean="0"/>
-              <a:t>11/29/23</a:t>
+              <a:t>11/30/23</a:t>
             </a:fld>
             <a:endParaRPr lang="en-US"/>
           </a:p>
@@ -1217,7 +1217,7 @@
           <a:p>
             <a:fld id="{098A0168-EB40-45AF-89A1-87DE0A55FFC6}" type="datetime1">
               <a:rPr lang="en-US" smtClean="0"/>
-              <a:t>11/29/23</a:t>
+              <a:t>11/30/23</a:t>
             </a:fld>
             <a:endParaRPr lang="en-US"/>
           </a:p>
@@ -1468,7 +1468,7 @@
           <a:p>
             <a:fld id="{8F8CA68F-747D-436A-B5BB-2EBC3ED499E4}" type="datetime1">
               <a:rPr lang="en-US" smtClean="0"/>
-              <a:t>11/29/23</a:t>
+              <a:t>11/30/23</a:t>
             </a:fld>
             <a:endParaRPr lang="en-US"/>
           </a:p>
@@ -1678,7 +1678,7 @@
           <a:p>
             <a:fld id="{6DD8DC11-9E39-40A0-B3DC-E3F2AD04A616}" type="datetime1">
               <a:rPr lang="en-US" smtClean="0"/>
-              <a:t>11/29/23</a:t>
+              <a:t>11/30/23</a:t>
             </a:fld>
             <a:endParaRPr lang="en-US"/>
           </a:p>
@@ -1887,7 +1887,7 @@
           <a:p>
             <a:fld id="{BE0A88F0-556B-4BB7-8AAB-D63AEB65C662}" type="datetime1">
               <a:rPr lang="en-US" smtClean="0"/>
-              <a:t>11/29/23</a:t>
+              <a:t>11/30/23</a:t>
             </a:fld>
             <a:endParaRPr lang="en-US"/>
           </a:p>
@@ -2204,7 +2204,7 @@
           <a:p>
             <a:fld id="{60E05506-6815-4E0E-B1DE-ECA35C2016DF}" type="datetime1">
               <a:rPr lang="en-US" smtClean="0"/>
-              <a:t>11/29/23</a:t>
+              <a:t>11/30/23</a:t>
             </a:fld>
             <a:endParaRPr lang="en-US"/>
           </a:p>
@@ -2477,7 +2477,7 @@
           <a:p>
             <a:fld id="{FC6E85F7-A724-48A4-9D33-CEBC5174E865}" type="datetime1">
               <a:rPr lang="en-US" smtClean="0"/>
-              <a:t>11/29/23</a:t>
+              <a:t>11/30/23</a:t>
             </a:fld>
             <a:endParaRPr lang="en-US"/>
           </a:p>
@@ -2988,7 +2988,7 @@
           <a:p>
             <a:fld id="{42806E7A-BDD3-46A3-BEE2-EB821F9236B4}" type="datetime1">
               <a:rPr lang="en-US" smtClean="0"/>
-              <a:t>11/29/23</a:t>
+              <a:t>11/30/23</a:t>
             </a:fld>
             <a:endParaRPr lang="en-US"/>
           </a:p>
@@ -3221,7 +3221,7 @@
           <a:p>
             <a:fld id="{9ED1540C-9440-4E7A-B71A-BEFEE06869E3}" type="datetime1">
               <a:rPr lang="en-US" smtClean="0"/>
-              <a:t>11/29/23</a:t>
+              <a:t>11/30/23</a:t>
             </a:fld>
             <a:endParaRPr lang="en-US"/>
           </a:p>
@@ -3334,7 +3334,7 @@
           <a:p>
             <a:fld id="{E0318DDB-88AC-4039-B59C-B05DC4C9C16C}" type="datetime1">
               <a:rPr lang="en-US" smtClean="0"/>
-              <a:t>11/29/23</a:t>
+              <a:t>11/30/23</a:t>
             </a:fld>
             <a:endParaRPr lang="en-US"/>
           </a:p>
@@ -3649,7 +3649,7 @@
           <a:p>
             <a:fld id="{E082ABFB-60E7-4BA1-866A-7059F058065B}" type="datetime1">
               <a:rPr lang="en-US" smtClean="0"/>
-              <a:t>11/29/23</a:t>
+              <a:t>11/30/23</a:t>
             </a:fld>
             <a:endParaRPr lang="en-US"/>
           </a:p>
@@ -3941,7 +3941,7 @@
           <a:p>
             <a:fld id="{2694112F-55F4-4776-A323-7418930321C8}" type="datetime1">
               <a:rPr lang="en-US" smtClean="0"/>
-              <a:t>11/29/23</a:t>
+              <a:t>11/30/23</a:t>
             </a:fld>
             <a:endParaRPr lang="en-US"/>
           </a:p>
@@ -4235,7 +4235,7 @@
           <a:p>
             <a:fld id="{CFBEA57F-793F-4683-BD8A-741FD4B89154}" type="datetime1">
               <a:rPr lang="en-US" smtClean="0"/>
-              <a:t>11/29/23</a:t>
+              <a:t>11/30/23</a:t>
             </a:fld>
             <a:endParaRPr lang="en-US" dirty="0"/>
           </a:p>
@@ -5021,7 +5021,7 @@
           <a:p>
             <a:r>
               <a:rPr lang="en-US" sz="2700" dirty="0"/>
-              <a:t>How can predictive modelling techniques be used to accurately forecast customer churn in a banking dataset?</a:t>
+              <a:t>Can predictive modelling algorithms be used to accurately forecast customer churn in a banking dataset?</a:t>
             </a:r>
           </a:p>
         </p:txBody>
@@ -5876,7 +5876,7 @@
                   <a:spcPts val="600"/>
                 </a:spcAft>
               </a:pPr>
-              <a:t>11/29/23</a:t>
+              <a:t>11/30/23</a:t>
             </a:fld>
             <a:endParaRPr lang="en-US"/>
           </a:p>
@@ -7149,7 +7149,7 @@
                   <a:spcPts val="600"/>
                 </a:spcAft>
               </a:pPr>
-              <a:t>11/29/23</a:t>
+              <a:t>11/30/23</a:t>
             </a:fld>
             <a:endParaRPr lang="en-US"/>
           </a:p>
@@ -7476,7 +7476,7 @@
         </p:blipFill>
         <p:spPr>
           <a:xfrm>
-            <a:off x="5526925" y="1606296"/>
+            <a:off x="5458300" y="1793255"/>
             <a:ext cx="2730500" cy="889000"/>
           </a:xfrm>
           <a:prstGeom prst="rect">
@@ -7498,7 +7498,7 @@
         </p:nvSpPr>
         <p:spPr>
           <a:xfrm>
-            <a:off x="5412283" y="1188398"/>
+            <a:off x="5343658" y="1375357"/>
             <a:ext cx="1479892" cy="369332"/>
           </a:xfrm>
           <a:prstGeom prst="rect">
@@ -7576,7 +7576,7 @@
         </p:nvSpPr>
         <p:spPr>
           <a:xfrm>
-            <a:off x="5412282" y="4284039"/>
+            <a:off x="5276771" y="4077407"/>
             <a:ext cx="4968671" cy="923330"/>
           </a:xfrm>
           <a:prstGeom prst="rect">
@@ -8256,7 +8256,7 @@
                   <a:spcPts val="600"/>
                 </a:spcAft>
               </a:pPr>
-              <a:t>11/29/23</a:t>
+              <a:t>11/30/23</a:t>
             </a:fld>
             <a:endParaRPr lang="en-US" dirty="0"/>
           </a:p>
@@ -9406,7 +9406,7 @@
                   <a:spcPts val="600"/>
                 </a:spcAft>
               </a:pPr>
-              <a:t>11/29/23</a:t>
+              <a:t>11/30/23</a:t>
             </a:fld>
             <a:endParaRPr lang="en-US"/>
           </a:p>
@@ -10459,7 +10459,7 @@
                   <a:spcPts val="600"/>
                 </a:spcAft>
               </a:pPr>
-              <a:t>11/29/23</a:t>
+              <a:t>11/30/23</a:t>
             </a:fld>
             <a:endParaRPr lang="en-US"/>
           </a:p>
@@ -11506,7 +11506,7 @@
         </p:nvSpPr>
         <p:spPr>
           <a:xfrm>
-            <a:off x="852574" y="270766"/>
+            <a:off x="718475" y="231335"/>
             <a:ext cx="9390797" cy="870627"/>
           </a:xfrm>
         </p:spPr>
@@ -11634,7 +11634,7 @@
                   <a:spcPts val="600"/>
                 </a:spcAft>
               </a:pPr>
-              <a:t>11/29/23</a:t>
+              <a:t>11/30/23</a:t>
             </a:fld>
             <a:endParaRPr lang="en-US"/>
           </a:p>
@@ -12821,7 +12821,7 @@
                   <a:spcPts val="600"/>
                 </a:spcAft>
               </a:pPr>
-              <a:t>11/29/23</a:t>
+              <a:t>11/30/23</a:t>
             </a:fld>
             <a:endParaRPr lang="en-US"/>
           </a:p>
@@ -13287,7 +13287,7 @@
         </p:nvSpPr>
         <p:spPr>
           <a:xfrm>
-            <a:off x="801461" y="3476661"/>
+            <a:off x="798394" y="3367096"/>
             <a:ext cx="6096000" cy="461665"/>
           </a:xfrm>
           <a:prstGeom prst="rect">
@@ -13999,7 +13999,7 @@
           <a:p>
             <a:r>
               <a:rPr lang="en-US" dirty="0"/>
-              <a:t>Analyzing the results</a:t>
+              <a:t>Analysing the results</a:t>
             </a:r>
           </a:p>
         </p:txBody>
@@ -14113,7 +14113,7 @@
                   <a:spcPts val="600"/>
                 </a:spcAft>
               </a:pPr>
-              <a:t>11/29/23</a:t>
+              <a:t>11/30/23</a:t>
             </a:fld>
             <a:endParaRPr lang="en-US"/>
           </a:p>

--- a/Churn Prediction Presentation.pptx
+++ b/Churn Prediction Presentation.pptx
@@ -205,7 +205,7 @@
           <a:p>
             <a:fld id="{6AED7B65-76B2-FF45-A181-17D1B743091E}" type="datetimeFigureOut">
               <a:rPr lang="en-US" smtClean="0"/>
-              <a:t>11/30/23</a:t>
+              <a:t>12/4/23</a:t>
             </a:fld>
             <a:endParaRPr lang="en-US"/>
           </a:p>
@@ -1217,7 +1217,7 @@
           <a:p>
             <a:fld id="{098A0168-EB40-45AF-89A1-87DE0A55FFC6}" type="datetime1">
               <a:rPr lang="en-US" smtClean="0"/>
-              <a:t>11/30/23</a:t>
+              <a:t>12/4/23</a:t>
             </a:fld>
             <a:endParaRPr lang="en-US"/>
           </a:p>
@@ -1468,7 +1468,7 @@
           <a:p>
             <a:fld id="{8F8CA68F-747D-436A-B5BB-2EBC3ED499E4}" type="datetime1">
               <a:rPr lang="en-US" smtClean="0"/>
-              <a:t>11/30/23</a:t>
+              <a:t>12/4/23</a:t>
             </a:fld>
             <a:endParaRPr lang="en-US"/>
           </a:p>
@@ -1678,7 +1678,7 @@
           <a:p>
             <a:fld id="{6DD8DC11-9E39-40A0-B3DC-E3F2AD04A616}" type="datetime1">
               <a:rPr lang="en-US" smtClean="0"/>
-              <a:t>11/30/23</a:t>
+              <a:t>12/4/23</a:t>
             </a:fld>
             <a:endParaRPr lang="en-US"/>
           </a:p>
@@ -1887,7 +1887,7 @@
           <a:p>
             <a:fld id="{BE0A88F0-556B-4BB7-8AAB-D63AEB65C662}" type="datetime1">
               <a:rPr lang="en-US" smtClean="0"/>
-              <a:t>11/30/23</a:t>
+              <a:t>12/4/23</a:t>
             </a:fld>
             <a:endParaRPr lang="en-US"/>
           </a:p>
@@ -2204,7 +2204,7 @@
           <a:p>
             <a:fld id="{60E05506-6815-4E0E-B1DE-ECA35C2016DF}" type="datetime1">
               <a:rPr lang="en-US" smtClean="0"/>
-              <a:t>11/30/23</a:t>
+              <a:t>12/4/23</a:t>
             </a:fld>
             <a:endParaRPr lang="en-US"/>
           </a:p>
@@ -2477,7 +2477,7 @@
           <a:p>
             <a:fld id="{FC6E85F7-A724-48A4-9D33-CEBC5174E865}" type="datetime1">
               <a:rPr lang="en-US" smtClean="0"/>
-              <a:t>11/30/23</a:t>
+              <a:t>12/4/23</a:t>
             </a:fld>
             <a:endParaRPr lang="en-US"/>
           </a:p>
@@ -2988,7 +2988,7 @@
           <a:p>
             <a:fld id="{42806E7A-BDD3-46A3-BEE2-EB821F9236B4}" type="datetime1">
               <a:rPr lang="en-US" smtClean="0"/>
-              <a:t>11/30/23</a:t>
+              <a:t>12/4/23</a:t>
             </a:fld>
             <a:endParaRPr lang="en-US"/>
           </a:p>
@@ -3221,7 +3221,7 @@
           <a:p>
             <a:fld id="{9ED1540C-9440-4E7A-B71A-BEFEE06869E3}" type="datetime1">
               <a:rPr lang="en-US" smtClean="0"/>
-              <a:t>11/30/23</a:t>
+              <a:t>12/4/23</a:t>
             </a:fld>
             <a:endParaRPr lang="en-US"/>
           </a:p>
@@ -3334,7 +3334,7 @@
           <a:p>
             <a:fld id="{E0318DDB-88AC-4039-B59C-B05DC4C9C16C}" type="datetime1">
               <a:rPr lang="en-US" smtClean="0"/>
-              <a:t>11/30/23</a:t>
+              <a:t>12/4/23</a:t>
             </a:fld>
             <a:endParaRPr lang="en-US"/>
           </a:p>
@@ -3649,7 +3649,7 @@
           <a:p>
             <a:fld id="{E082ABFB-60E7-4BA1-866A-7059F058065B}" type="datetime1">
               <a:rPr lang="en-US" smtClean="0"/>
-              <a:t>11/30/23</a:t>
+              <a:t>12/4/23</a:t>
             </a:fld>
             <a:endParaRPr lang="en-US"/>
           </a:p>
@@ -3941,7 +3941,7 @@
           <a:p>
             <a:fld id="{2694112F-55F4-4776-A323-7418930321C8}" type="datetime1">
               <a:rPr lang="en-US" smtClean="0"/>
-              <a:t>11/30/23</a:t>
+              <a:t>12/4/23</a:t>
             </a:fld>
             <a:endParaRPr lang="en-US"/>
           </a:p>
@@ -4235,7 +4235,7 @@
           <a:p>
             <a:fld id="{CFBEA57F-793F-4683-BD8A-741FD4B89154}" type="datetime1">
               <a:rPr lang="en-US" smtClean="0"/>
-              <a:t>11/30/23</a:t>
+              <a:t>12/4/23</a:t>
             </a:fld>
             <a:endParaRPr lang="en-US" dirty="0"/>
           </a:p>
@@ -5026,41 +5026,6 @@
           </a:p>
         </p:txBody>
       </p:sp>
-      <p:sp>
-        <p:nvSpPr>
-          <p:cNvPr id="3" name="Subtitle 2">
-            <a:extLst>
-              <a:ext uri="{FF2B5EF4-FFF2-40B4-BE49-F238E27FC236}">
-                <a16:creationId xmlns:a16="http://schemas.microsoft.com/office/drawing/2014/main" id="{85F26140-FD54-5830-8063-E30C1DB72113}"/>
-              </a:ext>
-            </a:extLst>
-          </p:cNvPr>
-          <p:cNvSpPr>
-            <a:spLocks noGrp="1"/>
-          </p:cNvSpPr>
-          <p:nvPr>
-            <p:ph type="subTitle" idx="1"/>
-          </p:nvPr>
-        </p:nvSpPr>
-        <p:spPr>
-          <a:xfrm>
-            <a:off x="7104444" y="703687"/>
-            <a:ext cx="3282183" cy="866380"/>
-          </a:xfrm>
-        </p:spPr>
-        <p:txBody>
-          <a:bodyPr anchor="ctr">
-            <a:normAutofit lnSpcReduction="10000"/>
-          </a:bodyPr>
-          <a:lstStyle/>
-          <a:p>
-            <a:r>
-              <a:rPr lang="en-US" sz="1800" dirty="0"/>
-              <a:t>What algorithms accurately forecast customer churn in a banking dataset.</a:t>
-            </a:r>
-          </a:p>
-        </p:txBody>
-      </p:sp>
       <p:pic>
         <p:nvPicPr>
           <p:cNvPr id="6" name="Picture 3" descr="An abstract genetic concept">
@@ -5869,16 +5834,10 @@
                 <a:spcPts val="600"/>
               </a:spcAft>
             </a:pPr>
-            <a:fld id="{BE0A88F0-556B-4BB7-8AAB-D63AEB65C662}" type="datetime1">
-              <a:rPr lang="en-US" smtClean="0"/>
-              <a:pPr>
-                <a:spcAft>
-                  <a:spcPts val="600"/>
-                </a:spcAft>
-              </a:pPr>
-              <a:t>11/30/23</a:t>
-            </a:fld>
-            <a:endParaRPr lang="en-US"/>
+            <a:r>
+              <a:rPr lang="en-US" dirty="0"/>
+              <a:t>12/2023</a:t>
+            </a:r>
           </a:p>
         </p:txBody>
       </p:sp>
@@ -6438,6 +6397,49 @@
               </a:rPr>
               <a:t>10.0 usability score on Kaggle with over 14,000 downloads</a:t>
             </a:r>
+          </a:p>
+        </p:txBody>
+      </p:sp>
+      <p:sp>
+        <p:nvSpPr>
+          <p:cNvPr id="27" name="Footer Placeholder 4">
+            <a:extLst>
+              <a:ext uri="{FF2B5EF4-FFF2-40B4-BE49-F238E27FC236}">
+                <a16:creationId xmlns:a16="http://schemas.microsoft.com/office/drawing/2014/main" id="{F72702B4-F8F5-1DF1-F33E-755403D8E12F}"/>
+              </a:ext>
+            </a:extLst>
+          </p:cNvPr>
+          <p:cNvSpPr>
+            <a:spLocks noGrp="1"/>
+          </p:cNvSpPr>
+          <p:nvPr>
+            <p:ph type="ftr" sz="quarter" idx="11"/>
+          </p:nvPr>
+        </p:nvSpPr>
+        <p:spPr>
+          <a:xfrm rot="5400000">
+            <a:off x="9233562" y="2578525"/>
+            <a:ext cx="4114800" cy="365125"/>
+          </a:xfrm>
+        </p:spPr>
+        <p:txBody>
+          <a:bodyPr vert="horz" lIns="91440" tIns="45720" rIns="91440" bIns="45720" rtlCol="0" anchor="ctr">
+            <a:normAutofit/>
+          </a:bodyPr>
+          <a:lstStyle/>
+          <a:p>
+            <a:r>
+              <a:rPr lang="en-US" dirty="0"/>
+              <a:t>Stefan court</a:t>
+            </a:r>
+            <a:endParaRPr lang="en-US" sz="1050" b="1" kern="1200" cap="all" spc="300" baseline="0" dirty="0">
+              <a:solidFill>
+                <a:schemeClr val="accent1"/>
+              </a:solidFill>
+              <a:latin typeface="+mn-lt"/>
+              <a:ea typeface="+mn-ea"/>
+              <a:cs typeface="+mn-cs"/>
+            </a:endParaRPr>
           </a:p>
         </p:txBody>
       </p:sp>
@@ -6999,47 +7001,6 @@
           </a:p>
         </p:txBody>
       </p:sp>
-      <p:sp>
-        <p:nvSpPr>
-          <p:cNvPr id="3" name="Content Placeholder 2">
-            <a:extLst>
-              <a:ext uri="{FF2B5EF4-FFF2-40B4-BE49-F238E27FC236}">
-                <a16:creationId xmlns:a16="http://schemas.microsoft.com/office/drawing/2014/main" id="{EDC460DA-7AA9-0DAE-3174-7E00DEA566AD}"/>
-              </a:ext>
-            </a:extLst>
-          </p:cNvPr>
-          <p:cNvSpPr>
-            <a:spLocks noGrp="1"/>
-          </p:cNvSpPr>
-          <p:nvPr>
-            <p:ph idx="1"/>
-          </p:nvPr>
-        </p:nvSpPr>
-        <p:spPr>
-          <a:xfrm>
-            <a:off x="4447311" y="6094566"/>
-            <a:ext cx="6068288" cy="379942"/>
-          </a:xfrm>
-        </p:spPr>
-        <p:txBody>
-          <a:bodyPr vert="horz" lIns="91440" tIns="45720" rIns="91440" bIns="45720" rtlCol="0" anchor="ctr">
-            <a:normAutofit/>
-          </a:bodyPr>
-          <a:lstStyle/>
-          <a:p>
-            <a:pPr marL="0" indent="0" algn="r">
-              <a:lnSpc>
-                <a:spcPct val="100000"/>
-              </a:lnSpc>
-              <a:buNone/>
-            </a:pPr>
-            <a:r>
-              <a:rPr lang="en-US"/>
-              <a:t>scscscs</a:t>
-            </a:r>
-          </a:p>
-        </p:txBody>
-      </p:sp>
       <p:pic>
         <p:nvPicPr>
           <p:cNvPr id="8" name="Picture 7" descr="A white paper with black text&#10;&#10;Description automatically generated">
@@ -7098,7 +7059,11 @@
           </a:bodyPr>
           <a:lstStyle/>
           <a:p>
-            <a:endParaRPr lang="en-US" sz="1050" b="1" kern="1200" cap="all" spc="300" baseline="0">
+            <a:r>
+              <a:rPr lang="en-US" dirty="0"/>
+              <a:t>Stefan court</a:t>
+            </a:r>
+            <a:endParaRPr lang="en-US" sz="1050" b="1" kern="1200" cap="all" spc="300" baseline="0" dirty="0">
               <a:solidFill>
                 <a:schemeClr val="accent1"/>
               </a:solidFill>
@@ -7142,16 +7107,10 @@
                 <a:spcPts val="600"/>
               </a:spcAft>
             </a:pPr>
-            <a:fld id="{BE0A88F0-556B-4BB7-8AAB-D63AEB65C662}" type="datetime1">
-              <a:rPr lang="en-US" smtClean="0"/>
-              <a:pPr>
-                <a:spcAft>
-                  <a:spcPts val="600"/>
-                </a:spcAft>
-              </a:pPr>
-              <a:t>11/30/23</a:t>
-            </a:fld>
-            <a:endParaRPr lang="en-US"/>
+            <a:r>
+              <a:rPr lang="en-US" dirty="0"/>
+              <a:t>12/2023</a:t>
+            </a:r>
           </a:p>
         </p:txBody>
       </p:sp>
@@ -8205,14 +8164,17 @@
           </a:bodyPr>
           <a:lstStyle/>
           <a:p>
-            <a:endParaRPr lang="en-US" sz="1050" b="1" kern="1200" cap="all" spc="300" baseline="0">
-              <a:solidFill>
-                <a:schemeClr val="accent1"/>
-              </a:solidFill>
-              <a:latin typeface="+mn-lt"/>
-              <a:ea typeface="+mn-ea"/>
-              <a:cs typeface="+mn-cs"/>
-            </a:endParaRPr>
+            <a:r>
+              <a:rPr lang="en-US" sz="1050" b="1" kern="1200" cap="all" spc="300" baseline="0" dirty="0">
+                <a:solidFill>
+                  <a:schemeClr val="accent1"/>
+                </a:solidFill>
+                <a:latin typeface="+mn-lt"/>
+                <a:ea typeface="+mn-ea"/>
+                <a:cs typeface="+mn-cs"/>
+              </a:rPr>
+              <a:t>Stefan Court</a:t>
+            </a:r>
           </a:p>
         </p:txBody>
       </p:sp>
@@ -8249,16 +8211,10 @@
                 <a:spcPts val="600"/>
               </a:spcAft>
             </a:pPr>
-            <a:fld id="{BE0A88F0-556B-4BB7-8AAB-D63AEB65C662}" type="datetime1">
-              <a:rPr lang="en-US" smtClean="0"/>
-              <a:pPr>
-                <a:spcAft>
-                  <a:spcPts val="600"/>
-                </a:spcAft>
-              </a:pPr>
-              <a:t>11/30/23</a:t>
-            </a:fld>
-            <a:endParaRPr lang="en-US" dirty="0"/>
+            <a:r>
+              <a:rPr lang="en-US" dirty="0"/>
+              <a:t>12/2023</a:t>
+            </a:r>
           </a:p>
         </p:txBody>
       </p:sp>
@@ -9355,14 +9311,17 @@
           </a:bodyPr>
           <a:lstStyle/>
           <a:p>
-            <a:endParaRPr lang="en-US" sz="1050" b="1" kern="1200" cap="all" spc="300" baseline="0">
-              <a:solidFill>
-                <a:schemeClr val="accent1"/>
-              </a:solidFill>
-              <a:latin typeface="+mn-lt"/>
-              <a:ea typeface="+mn-ea"/>
-              <a:cs typeface="+mn-cs"/>
-            </a:endParaRPr>
+            <a:r>
+              <a:rPr lang="en-US" sz="1050" b="1" kern="1200" cap="all" spc="300" baseline="0" dirty="0">
+                <a:solidFill>
+                  <a:schemeClr val="accent1"/>
+                </a:solidFill>
+                <a:latin typeface="+mn-lt"/>
+                <a:ea typeface="+mn-ea"/>
+                <a:cs typeface="+mn-cs"/>
+              </a:rPr>
+              <a:t>Stefan Court</a:t>
+            </a:r>
           </a:p>
         </p:txBody>
       </p:sp>
@@ -9399,16 +9358,10 @@
                 <a:spcPts val="600"/>
               </a:spcAft>
             </a:pPr>
-            <a:fld id="{BE0A88F0-556B-4BB7-8AAB-D63AEB65C662}" type="datetime1">
-              <a:rPr lang="en-US" smtClean="0"/>
-              <a:pPr>
-                <a:spcAft>
-                  <a:spcPts val="600"/>
-                </a:spcAft>
-              </a:pPr>
-              <a:t>11/30/23</a:t>
-            </a:fld>
-            <a:endParaRPr lang="en-US"/>
+            <a:r>
+              <a:rPr lang="en-US" dirty="0"/>
+              <a:t>12/2023</a:t>
+            </a:r>
           </a:p>
         </p:txBody>
       </p:sp>
@@ -9726,7 +9679,7 @@
         <p:spPr>
           <a:xfrm>
             <a:off x="4070444" y="3877784"/>
-            <a:ext cx="4051109" cy="923330"/>
+            <a:ext cx="4089581" cy="923330"/>
           </a:xfrm>
           <a:prstGeom prst="rect">
             <a:avLst/>
@@ -9763,7 +9716,7 @@
                   <a:schemeClr val="accent1"/>
                 </a:solidFill>
               </a:rPr>
-              <a:t>Age has a lot of anomalies</a:t>
+              <a:t>Balance has a large interquartile range</a:t>
             </a:r>
           </a:p>
           <a:p>
@@ -9777,7 +9730,7 @@
                   <a:schemeClr val="accent1"/>
                 </a:solidFill>
               </a:rPr>
-              <a:t>Credit score has some anomalies</a:t>
+              <a:t>Age has a small interquartile range</a:t>
             </a:r>
           </a:p>
         </p:txBody>
@@ -10452,16 +10405,10 @@
                 <a:spcPts val="600"/>
               </a:spcAft>
             </a:pPr>
-            <a:fld id="{BE0A88F0-556B-4BB7-8AAB-D63AEB65C662}" type="datetime1">
-              <a:rPr lang="en-US" smtClean="0"/>
-              <a:pPr>
-                <a:spcAft>
-                  <a:spcPts val="600"/>
-                </a:spcAft>
-              </a:pPr>
-              <a:t>11/30/23</a:t>
-            </a:fld>
-            <a:endParaRPr lang="en-US"/>
+            <a:r>
+              <a:rPr lang="en-US" dirty="0"/>
+              <a:t>12/2023</a:t>
+            </a:r>
           </a:p>
         </p:txBody>
       </p:sp>
@@ -11583,14 +11530,17 @@
           </a:bodyPr>
           <a:lstStyle/>
           <a:p>
-            <a:endParaRPr lang="en-US" sz="1050" b="1" kern="1200" cap="all" spc="300" baseline="0">
-              <a:solidFill>
-                <a:schemeClr val="accent1"/>
-              </a:solidFill>
-              <a:latin typeface="+mn-lt"/>
-              <a:ea typeface="+mn-ea"/>
-              <a:cs typeface="+mn-cs"/>
-            </a:endParaRPr>
+            <a:r>
+              <a:rPr lang="en-US" sz="1050" b="1" kern="1200" cap="all" spc="300" baseline="0" dirty="0">
+                <a:solidFill>
+                  <a:schemeClr val="accent1"/>
+                </a:solidFill>
+                <a:latin typeface="+mn-lt"/>
+                <a:ea typeface="+mn-ea"/>
+                <a:cs typeface="+mn-cs"/>
+              </a:rPr>
+              <a:t>Stefan Court</a:t>
+            </a:r>
           </a:p>
         </p:txBody>
       </p:sp>
@@ -11627,16 +11577,10 @@
                 <a:spcPts val="600"/>
               </a:spcAft>
             </a:pPr>
-            <a:fld id="{BE0A88F0-556B-4BB7-8AAB-D63AEB65C662}" type="datetime1">
-              <a:rPr lang="en-US" smtClean="0"/>
-              <a:pPr>
-                <a:spcAft>
-                  <a:spcPts val="600"/>
-                </a:spcAft>
-              </a:pPr>
-              <a:t>11/30/23</a:t>
-            </a:fld>
-            <a:endParaRPr lang="en-US"/>
+            <a:r>
+              <a:rPr lang="en-US" dirty="0"/>
+              <a:t>12/2023</a:t>
+            </a:r>
           </a:p>
         </p:txBody>
       </p:sp>
@@ -12770,14 +12714,17 @@
           </a:bodyPr>
           <a:lstStyle/>
           <a:p>
-            <a:endParaRPr lang="en-US" sz="1050" b="1" kern="1200" cap="all" spc="300" baseline="0">
-              <a:solidFill>
-                <a:schemeClr val="accent1"/>
-              </a:solidFill>
-              <a:latin typeface="+mn-lt"/>
-              <a:ea typeface="+mn-ea"/>
-              <a:cs typeface="+mn-cs"/>
-            </a:endParaRPr>
+            <a:r>
+              <a:rPr lang="en-US" sz="1050" b="1" kern="1200" cap="all" spc="300" baseline="0" dirty="0">
+                <a:solidFill>
+                  <a:schemeClr val="accent1"/>
+                </a:solidFill>
+                <a:latin typeface="+mn-lt"/>
+                <a:ea typeface="+mn-ea"/>
+                <a:cs typeface="+mn-cs"/>
+              </a:rPr>
+              <a:t>Stefan Court</a:t>
+            </a:r>
           </a:p>
         </p:txBody>
       </p:sp>
@@ -12814,16 +12761,10 @@
                 <a:spcPts val="600"/>
               </a:spcAft>
             </a:pPr>
-            <a:fld id="{BE0A88F0-556B-4BB7-8AAB-D63AEB65C662}" type="datetime1">
-              <a:rPr lang="en-US" smtClean="0"/>
-              <a:pPr>
-                <a:spcAft>
-                  <a:spcPts val="600"/>
-                </a:spcAft>
-              </a:pPr>
-              <a:t>11/30/23</a:t>
-            </a:fld>
-            <a:endParaRPr lang="en-US"/>
+            <a:r>
+              <a:rPr lang="en-US" dirty="0"/>
+              <a:t>12/2023</a:t>
+            </a:r>
           </a:p>
         </p:txBody>
       </p:sp>
@@ -14062,14 +14003,17 @@
           </a:bodyPr>
           <a:lstStyle/>
           <a:p>
-            <a:endParaRPr lang="en-US" sz="1050" b="1" kern="1200" cap="all" spc="300" baseline="0">
-              <a:solidFill>
-                <a:schemeClr val="accent1"/>
-              </a:solidFill>
-              <a:latin typeface="+mn-lt"/>
-              <a:ea typeface="+mn-ea"/>
-              <a:cs typeface="+mn-cs"/>
-            </a:endParaRPr>
+            <a:r>
+              <a:rPr lang="en-US" sz="1050" b="1" kern="1200" cap="all" spc="300" baseline="0" dirty="0">
+                <a:solidFill>
+                  <a:schemeClr val="accent1"/>
+                </a:solidFill>
+                <a:latin typeface="+mn-lt"/>
+                <a:ea typeface="+mn-ea"/>
+                <a:cs typeface="+mn-cs"/>
+              </a:rPr>
+              <a:t>Stefan court</a:t>
+            </a:r>
           </a:p>
         </p:txBody>
       </p:sp>
@@ -14106,16 +14050,10 @@
                 <a:spcPts val="600"/>
               </a:spcAft>
             </a:pPr>
-            <a:fld id="{BE0A88F0-556B-4BB7-8AAB-D63AEB65C662}" type="datetime1">
-              <a:rPr lang="en-US" smtClean="0"/>
-              <a:pPr>
-                <a:spcAft>
-                  <a:spcPts val="600"/>
-                </a:spcAft>
-              </a:pPr>
-              <a:t>11/30/23</a:t>
-            </a:fld>
-            <a:endParaRPr lang="en-US"/>
+            <a:r>
+              <a:rPr lang="en-US" dirty="0"/>
+              <a:t>12/2023</a:t>
+            </a:r>
           </a:p>
         </p:txBody>
       </p:sp>
